--- a/jukebox.pptx
+++ b/jukebox.pptx
@@ -5,10 +5,10 @@
     <p:sldMasterId id="2147483648" r:id="rId1"/>
   </p:sldMasterIdLst>
   <p:notesMasterIdLst>
-    <p:notesMasterId r:id="rId16"/>
+    <p:notesMasterId r:id="rId15"/>
   </p:notesMasterIdLst>
   <p:handoutMasterIdLst>
-    <p:handoutMasterId r:id="rId17"/>
+    <p:handoutMasterId r:id="rId16"/>
   </p:handoutMasterIdLst>
   <p:sldIdLst>
     <p:sldId id="257" r:id="rId3"/>
@@ -21,9 +21,8 @@
     <p:sldId id="291" r:id="rId10"/>
     <p:sldId id="292" r:id="rId11"/>
     <p:sldId id="293" r:id="rId12"/>
-    <p:sldId id="296" r:id="rId13"/>
-    <p:sldId id="304" r:id="rId14"/>
-    <p:sldId id="294" r:id="rId15"/>
+    <p:sldId id="304" r:id="rId13"/>
+    <p:sldId id="294" r:id="rId14"/>
   </p:sldIdLst>
   <p:sldSz cx="12188825" cy="6858000"/>
   <p:notesSz cx="6858000" cy="9144000"/>
@@ -4871,106 +4870,6 @@
         <p:cNvGrpSpPr/>
         <p:nvPr/>
       </p:nvGrpSpPr>
-      <p:grpSpPr>
-        <a:xfrm>
-          <a:off x="0" y="0"/>
-          <a:ext cx="0" cy="0"/>
-          <a:chOff x="0" y="0"/>
-          <a:chExt cx="0" cy="0"/>
-        </a:xfrm>
-      </p:grpSpPr>
-      <p:sp>
-        <p:nvSpPr>
-          <p:cNvPr id="2" name="Rectangle 1"/>
-          <p:cNvSpPr/>
-          <p:nvPr/>
-        </p:nvSpPr>
-        <p:spPr>
-          <a:xfrm>
-            <a:off x="3579812" y="228600"/>
-            <a:ext cx="3978525" cy="584775"/>
-          </a:xfrm>
-          <a:prstGeom prst="rect">
-            <a:avLst/>
-          </a:prstGeom>
-        </p:spPr>
-        <p:txBody>
-          <a:bodyPr wrap="none">
-            <a:spAutoFit/>
-          </a:bodyPr>
-          <a:lstStyle/>
-          <a:p>
-            <a:r>
-              <a:rPr lang="en-US" sz="3200" b="1" u="sng" dirty="0" smtClean="0">
-                <a:latin typeface="Times New Roman" panose="02020603050405020304" pitchFamily="18" charset="0"/>
-                <a:cs typeface="Times New Roman" panose="02020603050405020304" pitchFamily="18" charset="0"/>
-              </a:rPr>
-              <a:t>OUTPUT  WINDOW</a:t>
-            </a:r>
-            <a:endParaRPr lang="en-US" sz="3200" dirty="0"/>
-          </a:p>
-        </p:txBody>
-      </p:sp>
-      <p:pic>
-        <p:nvPicPr>
-          <p:cNvPr id="2050" name="Picture 2" descr="C:\Users\Punit kumar\Pictures\Screenshots\Screenshot (286).pngScreenshot (286)"/>
-          <p:cNvPicPr>
-            <a:picLocks noChangeAspect="1" noChangeArrowheads="1"/>
-          </p:cNvPicPr>
-          <p:nvPr/>
-        </p:nvPicPr>
-        <p:blipFill>
-          <a:blip r:embed="rId1"/>
-          <a:srcRect/>
-          <a:stretch>
-            <a:fillRect/>
-          </a:stretch>
-        </p:blipFill>
-        <p:spPr bwMode="auto">
-          <a:xfrm>
-            <a:off x="843915" y="861695"/>
-            <a:ext cx="10396220" cy="5646420"/>
-          </a:xfrm>
-          <a:prstGeom prst="rect">
-            <a:avLst/>
-          </a:prstGeom>
-          <a:noFill/>
-          <a:ln w="9525">
-            <a:noFill/>
-            <a:miter lim="800000"/>
-            <a:headEnd/>
-            <a:tailEnd/>
-          </a:ln>
-          <a:effectLst/>
-        </p:spPr>
-      </p:pic>
-    </p:spTree>
-  </p:cSld>
-  <p:clrMapOvr>
-    <a:masterClrMapping/>
-  </p:clrMapOvr>
-  <p:transition spd="med">
-    <p:fade/>
-  </p:transition>
-  <p:timing>
-    <p:tnLst>
-      <p:par>
-        <p:cTn id="1" dur="indefinite" restart="never" nodeType="tmRoot"/>
-      </p:par>
-    </p:tnLst>
-  </p:timing>
-</p:sld>
-</file>
-
-<file path=ppt/slides/slide12.xml><?xml version="1.0" encoding="utf-8"?>
-<p:sld xmlns:a="http://schemas.openxmlformats.org/drawingml/2006/main" xmlns:r="http://schemas.openxmlformats.org/officeDocument/2006/relationships" xmlns:p="http://schemas.openxmlformats.org/presentationml/2006/main">
-  <p:cSld>
-    <p:spTree>
-      <p:nvGrpSpPr>
-        <p:cNvPr id="1" name=""/>
-        <p:cNvGrpSpPr/>
-        <p:nvPr/>
-      </p:nvGrpSpPr>
       <p:grpSpPr/>
       <p:pic>
         <p:nvPicPr>
@@ -5044,7 +4943,7 @@
 </p:sld>
 </file>
 
-<file path=ppt/slides/slide13.xml><?xml version="1.0" encoding="utf-8"?>
+<file path=ppt/slides/slide12.xml><?xml version="1.0" encoding="utf-8"?>
 <p:sld xmlns:a="http://schemas.openxmlformats.org/drawingml/2006/main" xmlns:r="http://schemas.openxmlformats.org/officeDocument/2006/relationships" xmlns:p="http://schemas.openxmlformats.org/presentationml/2006/main">
   <p:cSld>
     <p:spTree>
@@ -6329,7 +6228,7 @@
         <p:spPr>
           <a:xfrm>
             <a:off x="912812" y="2133600"/>
-            <a:ext cx="8610599" cy="3046095"/>
+            <a:ext cx="8610599" cy="2553335"/>
           </a:xfrm>
           <a:prstGeom prst="rect">
             <a:avLst/>
@@ -6386,30 +6285,6 @@
                 <a:cs typeface="Times New Roman" panose="02020603050405020304" pitchFamily="18" charset="0"/>
               </a:rPr>
               <a:t>User can create their playlist easily</a:t>
-            </a:r>
-            <a:endParaRPr lang="en-US" sz="3200" dirty="0" smtClean="0">
-              <a:latin typeface="Times New Roman" panose="02020603050405020304" pitchFamily="18" charset="0"/>
-              <a:cs typeface="Times New Roman" panose="02020603050405020304" pitchFamily="18" charset="0"/>
-            </a:endParaRPr>
-          </a:p>
-          <a:p>
-            <a:pPr marL="342900" indent="-342900" algn="just">
-              <a:buFont typeface="Wingdings" panose="05000000000000000000" pitchFamily="2" charset="2"/>
-              <a:buChar char="§"/>
-            </a:pPr>
-            <a:r>
-              <a:rPr lang="en-US" sz="3200" dirty="0" smtClean="0">
-                <a:latin typeface="Times New Roman" panose="02020603050405020304" pitchFamily="18" charset="0"/>
-                <a:cs typeface="Times New Roman" panose="02020603050405020304" pitchFamily="18" charset="0"/>
-              </a:rPr>
-              <a:t>Login </a:t>
-            </a:r>
-            <a:r>
-              <a:rPr lang="en-US" sz="3200" dirty="0" err="1" smtClean="0">
-                <a:latin typeface="Times New Roman" panose="02020603050405020304" pitchFamily="18" charset="0"/>
-                <a:cs typeface="Times New Roman" panose="02020603050405020304" pitchFamily="18" charset="0"/>
-              </a:rPr>
-              <a:t>authentiction</a:t>
             </a:r>
             <a:endParaRPr lang="en-US" sz="3200" dirty="0" smtClean="0">
               <a:latin typeface="Times New Roman" panose="02020603050405020304" pitchFamily="18" charset="0"/>
